--- a/LB_2/ЛБ_2.pptx
+++ b/LB_2/ЛБ_2.pptx
@@ -253,7 +253,7 @@
           <a:p>
             <a:fld id="{D8918BFA-32EC-4606-890D-4BD7EFF38C42}" type="datetimeFigureOut">
               <a:rPr lang="ru-RU" smtClean="0"/>
-              <a:t>15.02.2020</a:t>
+              <a:t>17.02.2020</a:t>
             </a:fld>
             <a:endParaRPr lang="ru-RU"/>
           </a:p>
@@ -11158,8 +11158,8 @@
           </a:p>
         </p:txBody>
       </p:sp>
-      <mc:AlternateContent xmlns:mc="http://schemas.openxmlformats.org/markup-compatibility/2006">
-        <mc:Choice xmlns:a14="http://schemas.microsoft.com/office/drawing/2010/main" Requires="a14">
+      <mc:AlternateContent xmlns:mc="http://schemas.openxmlformats.org/markup-compatibility/2006" xmlns:a14="http://schemas.microsoft.com/office/drawing/2010/main">
+        <mc:Choice Requires="a14">
           <p:sp>
             <p:nvSpPr>
               <p:cNvPr id="7" name="TextBox 6">
@@ -11188,6 +11188,7 @@
               </a:bodyPr>
               <a:lstStyle/>
               <a:p>
+                <a:pPr/>
                 <a14:m>
                   <m:oMathPara xmlns:m="http://schemas.openxmlformats.org/officeDocument/2006/math">
                     <m:oMathParaPr>
@@ -11843,14 +11844,14 @@
                                     <a:latin typeface="Cambria Math" panose="02040503050406030204" pitchFamily="18" charset="0"/>
                                     <a:ea typeface="Cambria Math" panose="02040503050406030204" pitchFamily="18" charset="0"/>
                                   </a:rPr>
-                                  <m:t>=0    </m:t>
+                                  <m:t>=0            </m:t>
                                 </m:r>
                                 <m:r>
                                   <a:rPr lang="ru-RU" sz="1400" b="0" i="1" smtClean="0">
                                     <a:latin typeface="Cambria Math" panose="02040503050406030204" pitchFamily="18" charset="0"/>
                                     <a:ea typeface="Cambria Math" panose="02040503050406030204" pitchFamily="18" charset="0"/>
                                   </a:rPr>
-                                  <m:t>                            </m:t>
+                                  <m:t>                    </m:t>
                                 </m:r>
                               </m:e>
                             </m:mr>
@@ -12062,14 +12063,7 @@
                                         <a:latin typeface="Cambria Math" panose="02040503050406030204" pitchFamily="18" charset="0"/>
                                         <a:ea typeface="Cambria Math" panose="02040503050406030204" pitchFamily="18" charset="0"/>
                                       </a:rPr>
-                                      <m:t> ≤5      </m:t>
-                                    </m:r>
-                                    <m:r>
-                                      <a:rPr lang="ru-RU" sz="1400" b="0" i="1" smtClean="0">
-                                        <a:latin typeface="Cambria Math" panose="02040503050406030204" pitchFamily="18" charset="0"/>
-                                        <a:ea typeface="Cambria Math" panose="02040503050406030204" pitchFamily="18" charset="0"/>
-                                      </a:rPr>
-                                      <m:t>      </m:t>
+                                      <m:t> ≤5            </m:t>
                                     </m:r>
                                   </m:e>
                                   <m:e>
@@ -12099,14 +12093,14 @@
                                         <a:latin typeface="Cambria Math" panose="02040503050406030204" pitchFamily="18" charset="0"/>
                                         <a:ea typeface="Cambria Math" panose="02040503050406030204" pitchFamily="18" charset="0"/>
                                       </a:rPr>
-                                      <m:t> &gt;5    </m:t>
+                                      <m:t> &gt;5                                                </m:t>
                                     </m:r>
                                     <m:r>
                                       <a:rPr lang="ru-RU" sz="1400" b="0" i="1" smtClean="0">
                                         <a:latin typeface="Cambria Math" panose="02040503050406030204" pitchFamily="18" charset="0"/>
                                         <a:ea typeface="Cambria Math" panose="02040503050406030204" pitchFamily="18" charset="0"/>
                                       </a:rPr>
-                                      <m:t>                                                                                   </m:t>
+                                      <m:t>                                       </m:t>
                                     </m:r>
                                   </m:e>
                                 </m:eqArr>
@@ -12130,7 +12124,7 @@
             </p:txBody>
           </p:sp>
         </mc:Choice>
-        <mc:Fallback>
+        <mc:Fallback xmlns="">
           <p:sp>
             <p:nvSpPr>
               <p:cNvPr id="7" name="TextBox 6">
@@ -31868,60 +31862,6 @@
           </a:extLst>
         </p:spPr>
       </p:cxnSp>
-      <p:pic>
-        <p:nvPicPr>
-          <p:cNvPr id="4103" name="Picture 14" descr="ТПУ_Презентация_квадраты"/>
-          <p:cNvPicPr>
-            <a:picLocks noChangeAspect="1" noChangeArrowheads="1"/>
-          </p:cNvPicPr>
-          <p:nvPr/>
-        </p:nvPicPr>
-        <p:blipFill>
-          <a:blip r:embed="rId2" cstate="print">
-            <a:extLst>
-              <a:ext uri="{28A0092B-C50C-407E-A947-70E740481C1C}">
-                <a14:useLocalDpi xmlns:a14="http://schemas.microsoft.com/office/drawing/2010/main" val="0"/>
-              </a:ext>
-            </a:extLst>
-          </a:blip>
-          <a:srcRect/>
-          <a:stretch>
-            <a:fillRect/>
-          </a:stretch>
-        </p:blipFill>
-        <p:spPr bwMode="auto">
-          <a:xfrm>
-            <a:off x="0" y="3778250"/>
-            <a:ext cx="2520950" cy="542925"/>
-          </a:xfrm>
-          <a:prstGeom prst="rect">
-            <a:avLst/>
-          </a:prstGeom>
-          <a:noFill/>
-          <a:ln>
-            <a:noFill/>
-          </a:ln>
-          <a:extLst>
-            <a:ext uri="{909E8E84-426E-40DD-AFC4-6F175D3DCCD1}">
-              <a14:hiddenFill xmlns:a14="http://schemas.microsoft.com/office/drawing/2010/main">
-                <a:solidFill>
-                  <a:srgbClr val="FFFFFF"/>
-                </a:solidFill>
-              </a14:hiddenFill>
-            </a:ext>
-            <a:ext uri="{91240B29-F687-4F45-9708-019B960494DF}">
-              <a14:hiddenLine xmlns:a14="http://schemas.microsoft.com/office/drawing/2010/main" w="9525">
-                <a:solidFill>
-                  <a:srgbClr val="000000"/>
-                </a:solidFill>
-                <a:miter lim="800000"/>
-                <a:headEnd/>
-                <a:tailEnd/>
-              </a14:hiddenLine>
-            </a:ext>
-          </a:extLst>
-        </p:spPr>
-      </p:pic>
       <p:grpSp>
         <p:nvGrpSpPr>
           <p:cNvPr id="4107" name="Группа 8"/>
@@ -35536,26 +35476,92 @@
       </p:sp>
       <p:pic>
         <p:nvPicPr>
-          <p:cNvPr id="5" name="Рисунок 4"/>
+          <p:cNvPr id="2" name="Рисунок 1">
+            <a:extLst>
+              <a:ext uri="{FF2B5EF4-FFF2-40B4-BE49-F238E27FC236}">
+                <a16:creationId xmlns:a16="http://schemas.microsoft.com/office/drawing/2014/main" id="{3DB6B1A8-58EE-4820-91BE-2D556FB3A15C}"/>
+              </a:ext>
+            </a:extLst>
+          </p:cNvPr>
           <p:cNvPicPr>
             <a:picLocks noChangeAspect="1"/>
           </p:cNvPicPr>
           <p:nvPr/>
         </p:nvPicPr>
         <p:blipFill>
-          <a:blip r:embed="rId3"/>
+          <a:blip r:embed="rId2"/>
           <a:stretch>
             <a:fillRect/>
           </a:stretch>
         </p:blipFill>
         <p:spPr>
           <a:xfrm>
-            <a:off x="72209" y="1372587"/>
-            <a:ext cx="2998205" cy="2405663"/>
+            <a:off x="73244" y="1412201"/>
+            <a:ext cx="2951291" cy="2360235"/>
           </a:xfrm>
           <a:prstGeom prst="rect">
             <a:avLst/>
           </a:prstGeom>
+        </p:spPr>
+      </p:pic>
+      <p:pic>
+        <p:nvPicPr>
+          <p:cNvPr id="17" name="Picture 14" descr="ТПУ_Презентация_квадраты">
+            <a:extLst>
+              <a:ext uri="{FF2B5EF4-FFF2-40B4-BE49-F238E27FC236}">
+                <a16:creationId xmlns:a16="http://schemas.microsoft.com/office/drawing/2014/main" id="{59F1B2D8-1EF3-4EAB-9C91-1542A4F80B5E}"/>
+              </a:ext>
+            </a:extLst>
+          </p:cNvPr>
+          <p:cNvPicPr>
+            <a:picLocks noChangeAspect="1" noChangeArrowheads="1"/>
+          </p:cNvPicPr>
+          <p:nvPr/>
+        </p:nvPicPr>
+        <p:blipFill>
+          <a:blip r:embed="rId3" cstate="print">
+            <a:extLst>
+              <a:ext uri="{28A0092B-C50C-407E-A947-70E740481C1C}">
+                <a14:useLocalDpi xmlns:a14="http://schemas.microsoft.com/office/drawing/2010/main" val="0"/>
+              </a:ext>
+            </a:extLst>
+          </a:blip>
+          <a:srcRect/>
+          <a:stretch>
+            <a:fillRect/>
+          </a:stretch>
+        </p:blipFill>
+        <p:spPr bwMode="auto">
+          <a:xfrm>
+            <a:off x="0" y="3778250"/>
+            <a:ext cx="2520950" cy="542925"/>
+          </a:xfrm>
+          <a:prstGeom prst="rect">
+            <a:avLst/>
+          </a:prstGeom>
+          <a:noFill/>
+          <a:ln>
+            <a:noFill/>
+          </a:ln>
+          <a:extLst>
+            <a:ext uri="{909E8E84-426E-40DD-AFC4-6F175D3DCCD1}">
+              <a14:hiddenFill xmlns:a14="http://schemas.microsoft.com/office/drawing/2010/main">
+                <a:solidFill>
+                  <a:srgbClr val="FFFFFF"/>
+                </a:solidFill>
+              </a14:hiddenFill>
+            </a:ext>
+            <a:ext uri="{91240B29-F687-4F45-9708-019B960494DF}">
+              <a14:hiddenLine xmlns:a14="http://schemas.microsoft.com/office/drawing/2010/main" w="9525">
+                <a:solidFill>
+                  <a:srgbClr val="000000"/>
+                </a:solidFill>
+                <a:miter lim="800000"/>
+                <a:headEnd/>
+                <a:tailEnd/>
+              </a14:hiddenLine>
+            </a:ext>
+          </a:extLst>
         </p:spPr>
       </p:pic>
     </p:spTree>
@@ -39507,7 +39513,7 @@
                 </a:solidFill>
                 <a:latin typeface="Courier New" panose="02070309020205020404" pitchFamily="49" charset="0"/>
               </a:rPr>
-              <a:t>(abs(x) &lt; </a:t>
+              <a:t>(x &lt; </a:t>
             </a:r>
             <a:r>
               <a:rPr lang="en-US" dirty="0">
@@ -42963,8 +42969,8 @@
           </a:p>
         </p:txBody>
       </p:sp>
-      <mc:AlternateContent xmlns:mc="http://schemas.openxmlformats.org/markup-compatibility/2006">
-        <mc:Choice xmlns:a14="http://schemas.microsoft.com/office/drawing/2010/main" Requires="a14">
+      <mc:AlternateContent xmlns:mc="http://schemas.openxmlformats.org/markup-compatibility/2006" xmlns:a14="http://schemas.microsoft.com/office/drawing/2010/main">
+        <mc:Choice Requires="a14">
           <p:graphicFrame>
             <p:nvGraphicFramePr>
               <p:cNvPr id="7" name="Таблица 6">
@@ -42980,7 +42986,7 @@
               <p:nvPr>
                 <p:extLst>
                   <p:ext uri="{D42A27DB-BD31-4B8C-83A1-F6EECF244321}">
-                    <p14:modId xmlns:p14="http://schemas.microsoft.com/office/powerpoint/2010/main" val="361385187"/>
+                    <p14:modId xmlns:p14="http://schemas.microsoft.com/office/powerpoint/2010/main" val="3021520198"/>
                   </p:ext>
                 </p:extLst>
               </p:nvPr>
@@ -43098,6 +43104,7 @@
                         <a:bodyPr/>
                         <a:lstStyle/>
                         <a:p>
+                          <a:pPr/>
                           <a14:m>
                             <m:oMathPara xmlns:m="http://schemas.openxmlformats.org/officeDocument/2006/math">
                               <m:oMathParaPr>
@@ -43194,7 +43201,13 @@
                                             <a:rPr lang="en-US" sz="1600" b="0" i="1" smtClean="0">
                                               <a:latin typeface="Cambria Math" panose="02040503050406030204" pitchFamily="18" charset="0"/>
                                             </a:rPr>
-                                            <m:t>; </m:t>
+                                            <m:t>;</m:t>
+                                          </m:r>
+                                          <m:r>
+                                            <a:rPr lang="en-US" sz="1600" b="0" i="1" smtClean="0">
+                                              <a:latin typeface="Cambria Math" panose="02040503050406030204" pitchFamily="18" charset="0"/>
+                                            </a:rPr>
+                                            <m:t> </m:t>
                                           </m:r>
                                         </m:e>
                                       </m:mr>
@@ -43349,6 +43362,7 @@
                         <a:bodyPr/>
                         <a:lstStyle/>
                         <a:p>
+                          <a:pPr/>
                           <a14:m>
                             <m:oMathPara xmlns:m="http://schemas.openxmlformats.org/officeDocument/2006/math">
                               <m:oMathParaPr>
@@ -43428,7 +43442,13 @@
                                             <a:rPr lang="en-US" sz="1600" b="0" i="1" smtClean="0">
                                               <a:latin typeface="Cambria Math" panose="02040503050406030204" pitchFamily="18" charset="0"/>
                                             </a:rPr>
-                                            <m:t>;         </m:t>
+                                            <m:t>;</m:t>
+                                          </m:r>
+                                          <m:r>
+                                            <a:rPr lang="en-US" sz="1600" b="0" i="1" smtClean="0">
+                                              <a:latin typeface="Cambria Math" panose="02040503050406030204" pitchFamily="18" charset="0"/>
+                                            </a:rPr>
+                                            <m:t>         </m:t>
                                           </m:r>
                                         </m:e>
                                       </m:mr>
@@ -43606,6 +43626,7 @@
                         <a:bodyPr/>
                         <a:lstStyle/>
                         <a:p>
+                          <a:pPr/>
                           <a14:m>
                             <m:oMathPara xmlns:m="http://schemas.openxmlformats.org/officeDocument/2006/math">
                               <m:oMathParaPr>
@@ -43818,7 +43839,7 @@
                                       <a:rPr lang="en-US" sz="1600" b="0" i="1" smtClean="0">
                                         <a:latin typeface="Cambria Math" panose="02040503050406030204" pitchFamily="18" charset="0"/>
                                       </a:rPr>
-                                      <m:t>   </m:t>
+                                      <m:t>        </m:t>
                                     </m:r>
                                     <m:m>
                                       <m:mPr>
@@ -43852,7 +43873,7 @@
                                               <a:latin typeface="Cambria Math" panose="02040503050406030204" pitchFamily="18" charset="0"/>
                                               <a:ea typeface="Cambria Math" panose="02040503050406030204" pitchFamily="18" charset="0"/>
                                             </a:rPr>
-                                            <m:t>&lt;0</m:t>
+                                            <m:t>&lt;0        </m:t>
                                           </m:r>
                                         </m:e>
                                       </m:mr>
@@ -43916,6 +43937,13 @@
                                             </a:rPr>
                                             <m:t>𝑥</m:t>
                                           </m:r>
+                                          <m:r>
+                                            <a:rPr lang="en-US" sz="1600" b="0" i="1" smtClean="0">
+                                              <a:latin typeface="Cambria Math" panose="02040503050406030204" pitchFamily="18" charset="0"/>
+                                              <a:ea typeface="Cambria Math" panose="02040503050406030204" pitchFamily="18" charset="0"/>
+                                            </a:rPr>
+                                            <m:t>        </m:t>
+                                          </m:r>
                                         </m:e>
                                       </m:mr>
                                     </m:m>
@@ -43960,7 +43988,7 @@
             </a:graphic>
           </p:graphicFrame>
         </mc:Choice>
-        <mc:Fallback>
+        <mc:Fallback xmlns="">
           <p:graphicFrame>
             <p:nvGraphicFramePr>
               <p:cNvPr id="7" name="Таблица 6">
@@ -43976,7 +44004,7 @@
               <p:nvPr>
                 <p:extLst>
                   <p:ext uri="{D42A27DB-BD31-4B8C-83A1-F6EECF244321}">
-                    <p14:modId xmlns:p14="http://schemas.microsoft.com/office/powerpoint/2010/main" val="361385187"/>
+                    <p14:modId xmlns:p14="http://schemas.microsoft.com/office/powerpoint/2010/main" val="3021520198"/>
                   </p:ext>
                 </p:extLst>
               </p:nvPr>
